--- a/Информационная система «Байкальский патруль».pptx
+++ b/Информационная система «Байкальский патруль».pptx
@@ -5,17 +5,11 @@
     <p:sldMasterId id="2147483648" r:id="rId1"/>
   </p:sldMasterIdLst>
   <p:notesMasterIdLst>
-    <p:notesMasterId r:id="rId10"/>
+    <p:notesMasterId r:id="rId4"/>
   </p:notesMasterIdLst>
   <p:sldIdLst>
-    <p:sldId id="256" r:id="rId2"/>
-    <p:sldId id="257" r:id="rId3"/>
-    <p:sldId id="258" r:id="rId4"/>
-    <p:sldId id="259" r:id="rId5"/>
-    <p:sldId id="260" r:id="rId6"/>
-    <p:sldId id="261" r:id="rId7"/>
-    <p:sldId id="262" r:id="rId8"/>
-    <p:sldId id="263" r:id="rId9"/>
+    <p:sldId id="261" r:id="rId2"/>
+    <p:sldId id="262" r:id="rId3"/>
   </p:sldIdLst>
   <p:sldSz cx="12192000" cy="6858000"/>
   <p:notesSz cx="6858000" cy="9144000"/>
@@ -204,7 +198,7 @@
           <a:p>
             <a:fld id="{44272C7F-C833-4F91-B84B-3F6F1123C5EA}" type="datetimeFigureOut">
               <a:rPr lang="ru-RU" smtClean="0"/>
-              <a:t>09.01.2025</a:t>
+              <a:t>21.04.2025</a:t>
             </a:fld>
             <a:endParaRPr lang="ru-RU"/>
           </a:p>
@@ -471,90 +465,6 @@
 </p:notesMaster>
 </file>
 
-<file path=ppt/notesSlides/notesSlide1.xml><?xml version="1.0" encoding="utf-8"?>
-<p:notes xmlns:a="http://schemas.openxmlformats.org/drawingml/2006/main" xmlns:r="http://schemas.openxmlformats.org/officeDocument/2006/relationships" xmlns:p="http://schemas.openxmlformats.org/presentationml/2006/main">
-  <p:cSld>
-    <p:spTree>
-      <p:nvGrpSpPr>
-        <p:cNvPr id="1" name=""/>
-        <p:cNvGrpSpPr/>
-        <p:nvPr/>
-      </p:nvGrpSpPr>
-      <p:grpSpPr>
-        <a:xfrm>
-          <a:off x="0" y="0"/>
-          <a:ext cx="0" cy="0"/>
-          <a:chOff x="0" y="0"/>
-          <a:chExt cx="0" cy="0"/>
-        </a:xfrm>
-      </p:grpSpPr>
-      <p:sp>
-        <p:nvSpPr>
-          <p:cNvPr id="2" name="Образ слайда 1"/>
-          <p:cNvSpPr>
-            <a:spLocks noGrp="1" noRot="1" noChangeAspect="1"/>
-          </p:cNvSpPr>
-          <p:nvPr>
-            <p:ph type="sldImg"/>
-          </p:nvPr>
-        </p:nvSpPr>
-        <p:spPr/>
-      </p:sp>
-      <p:sp>
-        <p:nvSpPr>
-          <p:cNvPr id="3" name="Заметки 2"/>
-          <p:cNvSpPr>
-            <a:spLocks noGrp="1"/>
-          </p:cNvSpPr>
-          <p:nvPr>
-            <p:ph type="body" idx="1"/>
-          </p:nvPr>
-        </p:nvSpPr>
-        <p:spPr/>
-        <p:txBody>
-          <a:bodyPr/>
-          <a:lstStyle/>
-          <a:p>
-            <a:endParaRPr lang="ru-RU" dirty="0"/>
-          </a:p>
-        </p:txBody>
-      </p:sp>
-      <p:sp>
-        <p:nvSpPr>
-          <p:cNvPr id="4" name="Номер слайда 3"/>
-          <p:cNvSpPr>
-            <a:spLocks noGrp="1"/>
-          </p:cNvSpPr>
-          <p:nvPr>
-            <p:ph type="sldNum" sz="quarter" idx="5"/>
-          </p:nvPr>
-        </p:nvSpPr>
-        <p:spPr/>
-        <p:txBody>
-          <a:bodyPr/>
-          <a:lstStyle/>
-          <a:p>
-            <a:fld id="{BA417802-E220-4668-965A-C67B757885DB}" type="slidenum">
-              <a:rPr lang="ru-RU" smtClean="0"/>
-              <a:t>4</a:t>
-            </a:fld>
-            <a:endParaRPr lang="ru-RU"/>
-          </a:p>
-        </p:txBody>
-      </p:sp>
-    </p:spTree>
-    <p:extLst>
-      <p:ext uri="{BB962C8B-B14F-4D97-AF65-F5344CB8AC3E}">
-        <p14:creationId xmlns:p14="http://schemas.microsoft.com/office/powerpoint/2010/main" val="4220580938"/>
-      </p:ext>
-    </p:extLst>
-  </p:cSld>
-  <p:clrMapOvr>
-    <a:masterClrMapping/>
-  </p:clrMapOvr>
-</p:notes>
-</file>
-
 <file path=ppt/slideLayouts/slideLayout1.xml><?xml version="1.0" encoding="utf-8"?>
 <p:sldLayout xmlns:a="http://schemas.openxmlformats.org/drawingml/2006/main" xmlns:r="http://schemas.openxmlformats.org/officeDocument/2006/relationships" xmlns:p="http://schemas.openxmlformats.org/presentationml/2006/main" type="title" preserve="1">
   <p:cSld name="Титульный слайд">
@@ -702,7 +612,7 @@
           <a:p>
             <a:fld id="{7A73B224-8FEC-4B48-A0F7-CC2514AEF812}" type="datetimeFigureOut">
               <a:rPr lang="ru-RU" smtClean="0"/>
-              <a:t>09.01.2025</a:t>
+              <a:t>21.04.2025</a:t>
             </a:fld>
             <a:endParaRPr lang="ru-RU"/>
           </a:p>
@@ -900,7 +810,7 @@
           <a:p>
             <a:fld id="{7A73B224-8FEC-4B48-A0F7-CC2514AEF812}" type="datetimeFigureOut">
               <a:rPr lang="ru-RU" smtClean="0"/>
-              <a:t>09.01.2025</a:t>
+              <a:t>21.04.2025</a:t>
             </a:fld>
             <a:endParaRPr lang="ru-RU"/>
           </a:p>
@@ -1108,7 +1018,7 @@
           <a:p>
             <a:fld id="{7A73B224-8FEC-4B48-A0F7-CC2514AEF812}" type="datetimeFigureOut">
               <a:rPr lang="ru-RU" smtClean="0"/>
-              <a:t>09.01.2025</a:t>
+              <a:t>21.04.2025</a:t>
             </a:fld>
             <a:endParaRPr lang="ru-RU"/>
           </a:p>
@@ -1306,7 +1216,7 @@
           <a:p>
             <a:fld id="{7A73B224-8FEC-4B48-A0F7-CC2514AEF812}" type="datetimeFigureOut">
               <a:rPr lang="ru-RU" smtClean="0"/>
-              <a:t>09.01.2025</a:t>
+              <a:t>21.04.2025</a:t>
             </a:fld>
             <a:endParaRPr lang="ru-RU"/>
           </a:p>
@@ -1581,7 +1491,7 @@
           <a:p>
             <a:fld id="{7A73B224-8FEC-4B48-A0F7-CC2514AEF812}" type="datetimeFigureOut">
               <a:rPr lang="ru-RU" smtClean="0"/>
-              <a:t>09.01.2025</a:t>
+              <a:t>21.04.2025</a:t>
             </a:fld>
             <a:endParaRPr lang="ru-RU"/>
           </a:p>
@@ -1846,7 +1756,7 @@
           <a:p>
             <a:fld id="{7A73B224-8FEC-4B48-A0F7-CC2514AEF812}" type="datetimeFigureOut">
               <a:rPr lang="ru-RU" smtClean="0"/>
-              <a:t>09.01.2025</a:t>
+              <a:t>21.04.2025</a:t>
             </a:fld>
             <a:endParaRPr lang="ru-RU"/>
           </a:p>
@@ -2258,7 +2168,7 @@
           <a:p>
             <a:fld id="{7A73B224-8FEC-4B48-A0F7-CC2514AEF812}" type="datetimeFigureOut">
               <a:rPr lang="ru-RU" smtClean="0"/>
-              <a:t>09.01.2025</a:t>
+              <a:t>21.04.2025</a:t>
             </a:fld>
             <a:endParaRPr lang="ru-RU"/>
           </a:p>
@@ -2399,7 +2309,7 @@
           <a:p>
             <a:fld id="{7A73B224-8FEC-4B48-A0F7-CC2514AEF812}" type="datetimeFigureOut">
               <a:rPr lang="ru-RU" smtClean="0"/>
-              <a:t>09.01.2025</a:t>
+              <a:t>21.04.2025</a:t>
             </a:fld>
             <a:endParaRPr lang="ru-RU"/>
           </a:p>
@@ -2512,7 +2422,7 @@
           <a:p>
             <a:fld id="{7A73B224-8FEC-4B48-A0F7-CC2514AEF812}" type="datetimeFigureOut">
               <a:rPr lang="ru-RU" smtClean="0"/>
-              <a:t>09.01.2025</a:t>
+              <a:t>21.04.2025</a:t>
             </a:fld>
             <a:endParaRPr lang="ru-RU"/>
           </a:p>
@@ -2823,7 +2733,7 @@
           <a:p>
             <a:fld id="{7A73B224-8FEC-4B48-A0F7-CC2514AEF812}" type="datetimeFigureOut">
               <a:rPr lang="ru-RU" smtClean="0"/>
-              <a:t>09.01.2025</a:t>
+              <a:t>21.04.2025</a:t>
             </a:fld>
             <a:endParaRPr lang="ru-RU"/>
           </a:p>
@@ -3111,7 +3021,7 @@
           <a:p>
             <a:fld id="{7A73B224-8FEC-4B48-A0F7-CC2514AEF812}" type="datetimeFigureOut">
               <a:rPr lang="ru-RU" smtClean="0"/>
-              <a:t>09.01.2025</a:t>
+              <a:t>21.04.2025</a:t>
             </a:fld>
             <a:endParaRPr lang="ru-RU"/>
           </a:p>
@@ -3352,7 +3262,7 @@
           <a:p>
             <a:fld id="{7A73B224-8FEC-4B48-A0F7-CC2514AEF812}" type="datetimeFigureOut">
               <a:rPr lang="ru-RU" smtClean="0"/>
-              <a:t>09.01.2025</a:t>
+              <a:t>21.04.2025</a:t>
             </a:fld>
             <a:endParaRPr lang="ru-RU"/>
           </a:p>
@@ -3774,274 +3684,83 @@
           <p:cNvPr id="2" name="Заголовок 1">
             <a:extLst>
               <a:ext uri="{FF2B5EF4-FFF2-40B4-BE49-F238E27FC236}">
-                <a16:creationId xmlns:a16="http://schemas.microsoft.com/office/drawing/2014/main" id="{0C88CE64-8688-58E2-8C4C-280FCA39A9CD}"/>
-              </a:ext>
-            </a:extLst>
-          </p:cNvPr>
-          <p:cNvSpPr>
-            <a:spLocks noGrp="1"/>
-          </p:cNvSpPr>
-          <p:nvPr>
-            <p:ph type="ctrTitle"/>
-          </p:nvPr>
-        </p:nvSpPr>
-        <p:spPr>
-          <a:xfrm>
-            <a:off x="1524000" y="713041"/>
-            <a:ext cx="9144000" cy="2362099"/>
-          </a:xfrm>
-        </p:spPr>
-        <p:txBody>
-          <a:bodyPr>
-            <a:normAutofit/>
-          </a:bodyPr>
+                <a16:creationId xmlns:a16="http://schemas.microsoft.com/office/drawing/2014/main" id="{D32BB657-8999-7A93-795C-84226D8548B0}"/>
+              </a:ext>
+            </a:extLst>
+          </p:cNvPr>
+          <p:cNvSpPr>
+            <a:spLocks noGrp="1"/>
+          </p:cNvSpPr>
+          <p:nvPr>
+            <p:ph type="title"/>
+          </p:nvPr>
+        </p:nvSpPr>
+        <p:spPr/>
+        <p:txBody>
+          <a:bodyPr/>
           <a:lstStyle/>
           <a:p>
             <a:r>
               <a:rPr lang="ru-RU" sz="4400" dirty="0">
-                <a:solidFill>
-                  <a:srgbClr val="000000"/>
-                </a:solidFill>
                 <a:effectLst/>
                 <a:latin typeface="Times New Roman" panose="02020603050405020304" pitchFamily="18" charset="0"/>
                 <a:ea typeface="Times New Roman" panose="02020603050405020304" pitchFamily="18" charset="0"/>
+                <a:cs typeface="Times New Roman" panose="02020603050405020304" pitchFamily="18" charset="0"/>
               </a:rPr>
-              <a:t>Информационная система «Байкальский патруль»</a:t>
-            </a:r>
-            <a:endParaRPr lang="ru-RU" sz="4400" dirty="0"/>
-          </a:p>
-        </p:txBody>
-      </p:sp>
-      <p:sp>
-        <p:nvSpPr>
-          <p:cNvPr id="3" name="Подзаголовок 2">
-            <a:extLst>
-              <a:ext uri="{FF2B5EF4-FFF2-40B4-BE49-F238E27FC236}">
-                <a16:creationId xmlns:a16="http://schemas.microsoft.com/office/drawing/2014/main" id="{A2BB6FB3-CA93-C9FE-8F9E-36F1956A3959}"/>
-              </a:ext>
-            </a:extLst>
-          </p:cNvPr>
-          <p:cNvSpPr>
-            <a:spLocks noGrp="1"/>
-          </p:cNvSpPr>
-          <p:nvPr>
-            <p:ph type="subTitle" idx="1"/>
-          </p:nvPr>
-        </p:nvSpPr>
-        <p:spPr>
-          <a:xfrm>
-            <a:off x="3498715" y="4963909"/>
-            <a:ext cx="9144000" cy="1655762"/>
-          </a:xfrm>
-        </p:spPr>
-        <p:txBody>
-          <a:bodyPr/>
-          <a:lstStyle/>
-          <a:p>
-            <a:pPr rtl="0"/>
-            <a:r>
-              <a:rPr lang="ru-RU" sz="1800" b="1" dirty="0">
-                <a:solidFill>
-                  <a:schemeClr val="tx1">
-                    <a:lumMod val="85000"/>
-                    <a:lumOff val="15000"/>
-                  </a:schemeClr>
-                </a:solidFill>
+              <a:t>ER-модель</a:t>
+            </a:r>
+            <a:br>
+              <a:rPr lang="ru-RU" sz="4400" dirty="0">
                 <a:latin typeface="Times New Roman" panose="02020603050405020304" pitchFamily="18" charset="0"/>
                 <a:cs typeface="Times New Roman" panose="02020603050405020304" pitchFamily="18" charset="0"/>
               </a:rPr>
-              <a:t>Выполнил: </a:t>
-            </a:r>
-            <a:r>
-              <a:rPr lang="ru-RU" sz="1800" dirty="0">
-                <a:solidFill>
-                  <a:schemeClr val="tx1">
-                    <a:lumMod val="85000"/>
-                    <a:lumOff val="15000"/>
-                  </a:schemeClr>
-                </a:solidFill>
-                <a:latin typeface="Times New Roman" panose="02020603050405020304" pitchFamily="18" charset="0"/>
-                <a:cs typeface="Times New Roman" panose="02020603050405020304" pitchFamily="18" charset="0"/>
-              </a:rPr>
-              <a:t>Студент 3 курса </a:t>
-            </a:r>
-            <a:r>
-              <a:rPr lang="en-US" sz="1800" dirty="0">
-                <a:solidFill>
-                  <a:schemeClr val="tx1">
-                    <a:lumMod val="85000"/>
-                    <a:lumOff val="15000"/>
-                  </a:schemeClr>
-                </a:solidFill>
-                <a:latin typeface="Times New Roman" panose="02020603050405020304" pitchFamily="18" charset="0"/>
-                <a:cs typeface="Times New Roman" panose="02020603050405020304" pitchFamily="18" charset="0"/>
-              </a:rPr>
-              <a:t> </a:t>
-            </a:r>
-            <a:r>
-              <a:rPr lang="ru-RU" sz="1800" dirty="0">
-                <a:solidFill>
-                  <a:schemeClr val="tx1">
-                    <a:lumMod val="85000"/>
-                    <a:lumOff val="15000"/>
-                  </a:schemeClr>
-                </a:solidFill>
-                <a:latin typeface="Times New Roman" panose="02020603050405020304" pitchFamily="18" charset="0"/>
-                <a:cs typeface="Times New Roman" panose="02020603050405020304" pitchFamily="18" charset="0"/>
-              </a:rPr>
-              <a:t>группы</a:t>
-            </a:r>
-            <a:r>
-              <a:rPr lang="en-US" sz="1800" dirty="0">
-                <a:solidFill>
-                  <a:schemeClr val="tx1">
-                    <a:lumMod val="85000"/>
-                    <a:lumOff val="15000"/>
-                  </a:schemeClr>
-                </a:solidFill>
-                <a:latin typeface="Times New Roman" panose="02020603050405020304" pitchFamily="18" charset="0"/>
-                <a:cs typeface="Times New Roman" panose="02020603050405020304" pitchFamily="18" charset="0"/>
-              </a:rPr>
-              <a:t> </a:t>
-            </a:r>
-            <a:r>
-              <a:rPr lang="ru-RU" sz="1800" dirty="0">
-                <a:solidFill>
-                  <a:schemeClr val="tx1">
-                    <a:lumMod val="85000"/>
-                    <a:lumOff val="15000"/>
-                  </a:schemeClr>
-                </a:solidFill>
-                <a:latin typeface="Times New Roman" panose="02020603050405020304" pitchFamily="18" charset="0"/>
-                <a:cs typeface="Times New Roman" panose="02020603050405020304" pitchFamily="18" charset="0"/>
-              </a:rPr>
-              <a:t>№01321</a:t>
-            </a:r>
-            <a:r>
-              <a:rPr lang="en-US" sz="1800" dirty="0">
-                <a:solidFill>
-                  <a:schemeClr val="tx1">
-                    <a:lumMod val="85000"/>
-                    <a:lumOff val="15000"/>
-                  </a:schemeClr>
-                </a:solidFill>
-                <a:latin typeface="Times New Roman" panose="02020603050405020304" pitchFamily="18" charset="0"/>
-                <a:cs typeface="Times New Roman" panose="02020603050405020304" pitchFamily="18" charset="0"/>
-              </a:rPr>
-              <a:t>: </a:t>
-            </a:r>
-            <a:r>
-              <a:rPr lang="ru-RU" sz="1800" dirty="0">
-                <a:solidFill>
-                  <a:schemeClr val="tx1">
-                    <a:lumMod val="85000"/>
-                    <a:lumOff val="15000"/>
-                  </a:schemeClr>
-                </a:solidFill>
-                <a:latin typeface="Times New Roman" panose="02020603050405020304" pitchFamily="18" charset="0"/>
-                <a:cs typeface="Times New Roman" panose="02020603050405020304" pitchFamily="18" charset="0"/>
-              </a:rPr>
-              <a:t>Аюров </a:t>
-            </a:r>
-            <a:r>
-              <a:rPr lang="ru-RU" sz="1800" dirty="0" err="1">
-                <a:solidFill>
-                  <a:schemeClr val="tx1">
-                    <a:lumMod val="85000"/>
-                    <a:lumOff val="15000"/>
-                  </a:schemeClr>
-                </a:solidFill>
-                <a:latin typeface="Times New Roman" panose="02020603050405020304" pitchFamily="18" charset="0"/>
-                <a:cs typeface="Times New Roman" panose="02020603050405020304" pitchFamily="18" charset="0"/>
-              </a:rPr>
-              <a:t>Жамбал</a:t>
-            </a:r>
-            <a:r>
-              <a:rPr lang="ru-RU" sz="1800" dirty="0">
-                <a:solidFill>
-                  <a:schemeClr val="tx1">
-                    <a:lumMod val="85000"/>
-                    <a:lumOff val="15000"/>
-                  </a:schemeClr>
-                </a:solidFill>
-                <a:latin typeface="Times New Roman" panose="02020603050405020304" pitchFamily="18" charset="0"/>
-                <a:cs typeface="Times New Roman" panose="02020603050405020304" pitchFamily="18" charset="0"/>
-              </a:rPr>
-              <a:t> </a:t>
-            </a:r>
-            <a:r>
-              <a:rPr lang="ru-RU" sz="1800" dirty="0" err="1">
-                <a:solidFill>
-                  <a:schemeClr val="tx1">
-                    <a:lumMod val="85000"/>
-                    <a:lumOff val="15000"/>
-                  </a:schemeClr>
-                </a:solidFill>
-                <a:latin typeface="Times New Roman" panose="02020603050405020304" pitchFamily="18" charset="0"/>
-                <a:cs typeface="Times New Roman" panose="02020603050405020304" pitchFamily="18" charset="0"/>
-              </a:rPr>
-              <a:t>Жаргалович</a:t>
-            </a:r>
-            <a:r>
-              <a:rPr lang="en-US" sz="1800" b="1" dirty="0">
-                <a:solidFill>
-                  <a:schemeClr val="tx1">
-                    <a:lumMod val="85000"/>
-                    <a:lumOff val="15000"/>
-                  </a:schemeClr>
-                </a:solidFill>
-                <a:latin typeface="Times New Roman" panose="02020603050405020304" pitchFamily="18" charset="0"/>
-                <a:cs typeface="Times New Roman" panose="02020603050405020304" pitchFamily="18" charset="0"/>
-              </a:rPr>
-              <a:t>                     </a:t>
-            </a:r>
-            <a:endParaRPr lang="ru-RU" sz="1800" b="1" dirty="0">
-              <a:solidFill>
-                <a:schemeClr val="tx1">
-                  <a:lumMod val="85000"/>
-                  <a:lumOff val="15000"/>
-                </a:schemeClr>
-              </a:solidFill>
+            </a:br>
+            <a:endParaRPr lang="ru-RU" dirty="0">
               <a:latin typeface="Times New Roman" panose="02020603050405020304" pitchFamily="18" charset="0"/>
               <a:cs typeface="Times New Roman" panose="02020603050405020304" pitchFamily="18" charset="0"/>
             </a:endParaRPr>
           </a:p>
-          <a:p>
-            <a:pPr rtl="0"/>
-            <a:r>
-              <a:rPr lang="ru-RU" sz="1800" b="1" dirty="0">
-                <a:solidFill>
-                  <a:schemeClr val="tx1">
-                    <a:lumMod val="85000"/>
-                    <a:lumOff val="15000"/>
-                  </a:schemeClr>
-                </a:solidFill>
-                <a:latin typeface="Times New Roman" panose="02020603050405020304" pitchFamily="18" charset="0"/>
-                <a:cs typeface="Times New Roman" panose="02020603050405020304" pitchFamily="18" charset="0"/>
-              </a:rPr>
-              <a:t>Научный руководитель: </a:t>
-            </a:r>
-            <a:r>
-              <a:rPr lang="ru-RU" sz="1800" dirty="0">
-                <a:solidFill>
-                  <a:schemeClr val="tx1">
-                    <a:lumMod val="85000"/>
-                    <a:lumOff val="15000"/>
-                  </a:schemeClr>
-                </a:solidFill>
-                <a:latin typeface="Times New Roman" panose="02020603050405020304" pitchFamily="18" charset="0"/>
-                <a:cs typeface="Times New Roman" panose="02020603050405020304" pitchFamily="18" charset="0"/>
-              </a:rPr>
-              <a:t>Ст. преп. каф. ИСМИ Дерюгин Даниил Фёдорович</a:t>
-            </a:r>
-            <a:endParaRPr lang="ru-RU" dirty="0"/>
-          </a:p>
-        </p:txBody>
-      </p:sp>
+        </p:txBody>
+      </p:sp>
+      <p:pic>
+        <p:nvPicPr>
+          <p:cNvPr id="16" name="Объект 15" descr="Изображение выглядит как диаграмма, линия, оригами, шаблон&#10;&#10;Автоматически созданное описание">
+            <a:extLst>
+              <a:ext uri="{FF2B5EF4-FFF2-40B4-BE49-F238E27FC236}">
+                <a16:creationId xmlns:a16="http://schemas.microsoft.com/office/drawing/2014/main" id="{C1995CC1-4D21-32B1-ABAA-1F422F12F263}"/>
+              </a:ext>
+            </a:extLst>
+          </p:cNvPr>
+          <p:cNvPicPr>
+            <a:picLocks noGrp="1" noChangeAspect="1"/>
+          </p:cNvPicPr>
+          <p:nvPr>
+            <p:ph idx="1"/>
+          </p:nvPr>
+        </p:nvPicPr>
+        <p:blipFill>
+          <a:blip r:embed="rId2">
+            <a:extLst>
+              <a:ext uri="{28A0092B-C50C-407E-A947-70E740481C1C}">
+                <a14:useLocalDpi xmlns:a14="http://schemas.microsoft.com/office/drawing/2010/main" val="0"/>
+              </a:ext>
+            </a:extLst>
+          </a:blip>
+          <a:stretch>
+            <a:fillRect/>
+          </a:stretch>
+        </p:blipFill>
+        <p:spPr>
+          <a:xfrm>
+            <a:off x="2286902" y="1311390"/>
+            <a:ext cx="8070918" cy="4958701"/>
+          </a:xfrm>
+        </p:spPr>
+      </p:pic>
     </p:spTree>
     <p:extLst>
       <p:ext uri="{BB962C8B-B14F-4D97-AF65-F5344CB8AC3E}">
-        <p14:creationId xmlns:p14="http://schemas.microsoft.com/office/powerpoint/2010/main" val="1041720182"/>
+        <p14:creationId xmlns:p14="http://schemas.microsoft.com/office/powerpoint/2010/main" val="1385537460"/>
       </p:ext>
     </p:extLst>
   </p:cSld>
@@ -4073,817 +3792,6 @@
           <p:cNvPr id="2" name="Заголовок 1">
             <a:extLst>
               <a:ext uri="{FF2B5EF4-FFF2-40B4-BE49-F238E27FC236}">
-                <a16:creationId xmlns:a16="http://schemas.microsoft.com/office/drawing/2014/main" id="{1E0A114E-36A7-E495-18B7-C9B768EF9749}"/>
-              </a:ext>
-            </a:extLst>
-          </p:cNvPr>
-          <p:cNvSpPr>
-            <a:spLocks noGrp="1"/>
-          </p:cNvSpPr>
-          <p:nvPr>
-            <p:ph type="title"/>
-          </p:nvPr>
-        </p:nvSpPr>
-        <p:spPr/>
-        <p:txBody>
-          <a:bodyPr/>
-          <a:lstStyle/>
-          <a:p>
-            <a:r>
-              <a:rPr lang="ru-RU" dirty="0">
-                <a:latin typeface="Times New Roman" panose="02020603050405020304" pitchFamily="18" charset="0"/>
-                <a:cs typeface="Times New Roman" panose="02020603050405020304" pitchFamily="18" charset="0"/>
-              </a:rPr>
-              <a:t>Предметная область</a:t>
-            </a:r>
-          </a:p>
-        </p:txBody>
-      </p:sp>
-      <p:sp>
-        <p:nvSpPr>
-          <p:cNvPr id="3" name="Объект 2">
-            <a:extLst>
-              <a:ext uri="{FF2B5EF4-FFF2-40B4-BE49-F238E27FC236}">
-                <a16:creationId xmlns:a16="http://schemas.microsoft.com/office/drawing/2014/main" id="{30598735-385E-E148-BB3E-8F5CD0CAEC8C}"/>
-              </a:ext>
-            </a:extLst>
-          </p:cNvPr>
-          <p:cNvSpPr>
-            <a:spLocks noGrp="1"/>
-          </p:cNvSpPr>
-          <p:nvPr>
-            <p:ph idx="1"/>
-          </p:nvPr>
-        </p:nvSpPr>
-        <p:spPr/>
-        <p:txBody>
-          <a:bodyPr/>
-          <a:lstStyle/>
-          <a:p>
-            <a:pPr marL="0" indent="0">
-              <a:buNone/>
-            </a:pPr>
-            <a:r>
-              <a:rPr lang="ru-RU" dirty="0">
-                <a:solidFill>
-                  <a:srgbClr val="000000"/>
-                </a:solidFill>
-                <a:effectLst/>
-                <a:latin typeface="Times New Roman" panose="02020603050405020304" pitchFamily="18" charset="0"/>
-                <a:ea typeface="Times New Roman" panose="02020603050405020304" pitchFamily="18" charset="0"/>
-                <a:cs typeface="Times New Roman" panose="02020603050405020304" pitchFamily="18" charset="0"/>
-              </a:rPr>
-              <a:t>Массовые пожары являются фактором, влияющим на окружающую среду. В результате пожаров гибнут леса, страдает сельское хозяйство, гибнут люди, а также появляется смог, загрязняющий атмосферу</a:t>
-            </a:r>
-            <a:r>
-              <a:rPr lang="ru-RU" sz="1800" dirty="0">
-                <a:solidFill>
-                  <a:srgbClr val="000000"/>
-                </a:solidFill>
-                <a:effectLst/>
-                <a:latin typeface="Times New Roman" panose="02020603050405020304" pitchFamily="18" charset="0"/>
-                <a:ea typeface="Times New Roman" panose="02020603050405020304" pitchFamily="18" charset="0"/>
-                <a:cs typeface="Times New Roman" panose="02020603050405020304" pitchFamily="18" charset="0"/>
-              </a:rPr>
-              <a:t>. </a:t>
-            </a:r>
-            <a:endParaRPr lang="ru-RU" sz="1800" dirty="0">
-              <a:effectLst/>
-              <a:latin typeface="Times New Roman" panose="02020603050405020304" pitchFamily="18" charset="0"/>
-              <a:ea typeface="Liberation Sans"/>
-              <a:cs typeface="Times New Roman" panose="02020603050405020304" pitchFamily="18" charset="0"/>
-            </a:endParaRPr>
-          </a:p>
-          <a:p>
-            <a:pPr marL="0" indent="0">
-              <a:buNone/>
-            </a:pPr>
-            <a:endParaRPr lang="ru-RU" dirty="0"/>
-          </a:p>
-        </p:txBody>
-      </p:sp>
-    </p:spTree>
-    <p:extLst>
-      <p:ext uri="{BB962C8B-B14F-4D97-AF65-F5344CB8AC3E}">
-        <p14:creationId xmlns:p14="http://schemas.microsoft.com/office/powerpoint/2010/main" val="2236361523"/>
-      </p:ext>
-    </p:extLst>
-  </p:cSld>
-  <p:clrMapOvr>
-    <a:masterClrMapping/>
-  </p:clrMapOvr>
-</p:sld>
-</file>
-
-<file path=ppt/slides/slide3.xml><?xml version="1.0" encoding="utf-8"?>
-<p:sld xmlns:a="http://schemas.openxmlformats.org/drawingml/2006/main" xmlns:r="http://schemas.openxmlformats.org/officeDocument/2006/relationships" xmlns:p="http://schemas.openxmlformats.org/presentationml/2006/main">
-  <p:cSld>
-    <p:spTree>
-      <p:nvGrpSpPr>
-        <p:cNvPr id="1" name=""/>
-        <p:cNvGrpSpPr/>
-        <p:nvPr/>
-      </p:nvGrpSpPr>
-      <p:grpSpPr>
-        <a:xfrm>
-          <a:off x="0" y="0"/>
-          <a:ext cx="0" cy="0"/>
-          <a:chOff x="0" y="0"/>
-          <a:chExt cx="0" cy="0"/>
-        </a:xfrm>
-      </p:grpSpPr>
-      <p:sp>
-        <p:nvSpPr>
-          <p:cNvPr id="2" name="Заголовок 1">
-            <a:extLst>
-              <a:ext uri="{FF2B5EF4-FFF2-40B4-BE49-F238E27FC236}">
-                <a16:creationId xmlns:a16="http://schemas.microsoft.com/office/drawing/2014/main" id="{E61F1BBD-4F4D-E768-3B37-EAE2615958F7}"/>
-              </a:ext>
-            </a:extLst>
-          </p:cNvPr>
-          <p:cNvSpPr>
-            <a:spLocks noGrp="1"/>
-          </p:cNvSpPr>
-          <p:nvPr>
-            <p:ph type="title"/>
-          </p:nvPr>
-        </p:nvSpPr>
-        <p:spPr/>
-        <p:txBody>
-          <a:bodyPr/>
-          <a:lstStyle/>
-          <a:p>
-            <a:r>
-              <a:rPr lang="ru-RU" dirty="0">
-                <a:latin typeface="Times New Roman" panose="02020603050405020304" pitchFamily="18" charset="0"/>
-                <a:cs typeface="Times New Roman" panose="02020603050405020304" pitchFamily="18" charset="0"/>
-              </a:rPr>
-              <a:t>Проблема</a:t>
-            </a:r>
-            <a:endParaRPr lang="ru-RU" dirty="0"/>
-          </a:p>
-        </p:txBody>
-      </p:sp>
-      <p:sp>
-        <p:nvSpPr>
-          <p:cNvPr id="3" name="Объект 2">
-            <a:extLst>
-              <a:ext uri="{FF2B5EF4-FFF2-40B4-BE49-F238E27FC236}">
-                <a16:creationId xmlns:a16="http://schemas.microsoft.com/office/drawing/2014/main" id="{3A0ABFD4-4FE3-CCCC-17E3-A953C8CEFF3A}"/>
-              </a:ext>
-            </a:extLst>
-          </p:cNvPr>
-          <p:cNvSpPr>
-            <a:spLocks noGrp="1"/>
-          </p:cNvSpPr>
-          <p:nvPr>
-            <p:ph idx="1"/>
-          </p:nvPr>
-        </p:nvSpPr>
-        <p:spPr>
-          <a:xfrm>
-            <a:off x="838200" y="2506662"/>
-            <a:ext cx="10515600" cy="4351338"/>
-          </a:xfrm>
-        </p:spPr>
-        <p:txBody>
-          <a:bodyPr/>
-          <a:lstStyle/>
-          <a:p>
-            <a:pPr marL="0" indent="0">
-              <a:lnSpc>
-                <a:spcPct val="150000"/>
-              </a:lnSpc>
-              <a:buNone/>
-            </a:pPr>
-            <a:r>
-              <a:rPr lang="ru-RU" sz="2800" dirty="0">
-                <a:solidFill>
-                  <a:srgbClr val="000000"/>
-                </a:solidFill>
-                <a:latin typeface="Times New Roman" panose="02020603050405020304" pitchFamily="18" charset="0"/>
-                <a:ea typeface="Times New Roman" panose="02020603050405020304" pitchFamily="18" charset="0"/>
-              </a:rPr>
-              <a:t>П</a:t>
-            </a:r>
-            <a:r>
-              <a:rPr lang="ru-RU" sz="2800" dirty="0">
-                <a:solidFill>
-                  <a:srgbClr val="000000"/>
-                </a:solidFill>
-                <a:effectLst/>
-                <a:latin typeface="Times New Roman" panose="02020603050405020304" pitchFamily="18" charset="0"/>
-                <a:ea typeface="Times New Roman" panose="02020603050405020304" pitchFamily="18" charset="0"/>
-              </a:rPr>
-              <a:t>роблема организации деятельности волонтеров по противодействию лесным пожарам</a:t>
-            </a:r>
-            <a:r>
-              <a:rPr lang="ru-RU" sz="2800" b="1" dirty="0">
-                <a:solidFill>
-                  <a:srgbClr val="000000"/>
-                </a:solidFill>
-                <a:effectLst/>
-                <a:latin typeface="Times New Roman" panose="02020603050405020304" pitchFamily="18" charset="0"/>
-                <a:ea typeface="Times New Roman" panose="02020603050405020304" pitchFamily="18" charset="0"/>
-              </a:rPr>
-              <a:t>, </a:t>
-            </a:r>
-            <a:r>
-              <a:rPr lang="ru-RU" sz="2800" dirty="0">
-                <a:solidFill>
-                  <a:srgbClr val="000000"/>
-                </a:solidFill>
-                <a:effectLst/>
-                <a:latin typeface="Times New Roman" panose="02020603050405020304" pitchFamily="18" charset="0"/>
-                <a:ea typeface="Times New Roman" panose="02020603050405020304" pitchFamily="18" charset="0"/>
-              </a:rPr>
-              <a:t>мониторинга пожаров и перемещения волонтеров в лесах.</a:t>
-            </a:r>
-          </a:p>
-          <a:p>
-            <a:endParaRPr lang="ru-RU" dirty="0"/>
-          </a:p>
-        </p:txBody>
-      </p:sp>
-    </p:spTree>
-    <p:extLst>
-      <p:ext uri="{BB962C8B-B14F-4D97-AF65-F5344CB8AC3E}">
-        <p14:creationId xmlns:p14="http://schemas.microsoft.com/office/powerpoint/2010/main" val="3272519136"/>
-      </p:ext>
-    </p:extLst>
-  </p:cSld>
-  <p:clrMapOvr>
-    <a:masterClrMapping/>
-  </p:clrMapOvr>
-</p:sld>
-</file>
-
-<file path=ppt/slides/slide4.xml><?xml version="1.0" encoding="utf-8"?>
-<p:sld xmlns:a="http://schemas.openxmlformats.org/drawingml/2006/main" xmlns:r="http://schemas.openxmlformats.org/officeDocument/2006/relationships" xmlns:p="http://schemas.openxmlformats.org/presentationml/2006/main">
-  <p:cSld>
-    <p:spTree>
-      <p:nvGrpSpPr>
-        <p:cNvPr id="1" name=""/>
-        <p:cNvGrpSpPr/>
-        <p:nvPr/>
-      </p:nvGrpSpPr>
-      <p:grpSpPr>
-        <a:xfrm>
-          <a:off x="0" y="0"/>
-          <a:ext cx="0" cy="0"/>
-          <a:chOff x="0" y="0"/>
-          <a:chExt cx="0" cy="0"/>
-        </a:xfrm>
-      </p:grpSpPr>
-      <p:sp>
-        <p:nvSpPr>
-          <p:cNvPr id="2" name="Заголовок 1">
-            <a:extLst>
-              <a:ext uri="{FF2B5EF4-FFF2-40B4-BE49-F238E27FC236}">
-                <a16:creationId xmlns:a16="http://schemas.microsoft.com/office/drawing/2014/main" id="{1479CF42-B456-851C-6856-D9C63E17DD2B}"/>
-              </a:ext>
-            </a:extLst>
-          </p:cNvPr>
-          <p:cNvSpPr>
-            <a:spLocks noGrp="1"/>
-          </p:cNvSpPr>
-          <p:nvPr>
-            <p:ph type="title"/>
-          </p:nvPr>
-        </p:nvSpPr>
-        <p:spPr/>
-        <p:txBody>
-          <a:bodyPr/>
-          <a:lstStyle/>
-          <a:p>
-            <a:r>
-              <a:rPr lang="ru-RU" dirty="0">
-                <a:solidFill>
-                  <a:schemeClr val="tx1"/>
-                </a:solidFill>
-                <a:latin typeface="Times New Roman" panose="02020603050405020304" pitchFamily="18" charset="0"/>
-                <a:cs typeface="Times New Roman" panose="02020603050405020304" pitchFamily="18" charset="0"/>
-              </a:rPr>
-              <a:t>Цели и задачи</a:t>
-            </a:r>
-            <a:endParaRPr lang="ru-RU" dirty="0"/>
-          </a:p>
-        </p:txBody>
-      </p:sp>
-      <p:sp>
-        <p:nvSpPr>
-          <p:cNvPr id="3" name="Объект 2">
-            <a:extLst>
-              <a:ext uri="{FF2B5EF4-FFF2-40B4-BE49-F238E27FC236}">
-                <a16:creationId xmlns:a16="http://schemas.microsoft.com/office/drawing/2014/main" id="{EF6A1ABB-C344-762A-4EF2-D1C65FA18396}"/>
-              </a:ext>
-            </a:extLst>
-          </p:cNvPr>
-          <p:cNvSpPr>
-            <a:spLocks noGrp="1"/>
-          </p:cNvSpPr>
-          <p:nvPr>
-            <p:ph idx="1"/>
-          </p:nvPr>
-        </p:nvSpPr>
-        <p:spPr/>
-        <p:txBody>
-          <a:bodyPr>
-            <a:normAutofit fontScale="85000" lnSpcReduction="20000"/>
-          </a:bodyPr>
-          <a:lstStyle/>
-          <a:p>
-            <a:pPr marL="0" indent="0">
-              <a:lnSpc>
-                <a:spcPct val="160000"/>
-              </a:lnSpc>
-              <a:buNone/>
-            </a:pPr>
-            <a:r>
-              <a:rPr lang="ru-RU" b="1" dirty="0">
-                <a:solidFill>
-                  <a:schemeClr val="tx1"/>
-                </a:solidFill>
-                <a:latin typeface="Times New Roman" panose="02020603050405020304" pitchFamily="18" charset="0"/>
-                <a:cs typeface="Times New Roman" panose="02020603050405020304" pitchFamily="18" charset="0"/>
-              </a:rPr>
-              <a:t>Цель</a:t>
-            </a:r>
-            <a:r>
-              <a:rPr lang="en-US" b="1" dirty="0">
-                <a:solidFill>
-                  <a:schemeClr val="tx1"/>
-                </a:solidFill>
-                <a:latin typeface="Times New Roman" panose="02020603050405020304" pitchFamily="18" charset="0"/>
-                <a:cs typeface="Times New Roman" panose="02020603050405020304" pitchFamily="18" charset="0"/>
-              </a:rPr>
-              <a:t>:</a:t>
-            </a:r>
-            <a:r>
-              <a:rPr lang="ru-RU" dirty="0">
-                <a:solidFill>
-                  <a:schemeClr val="tx1"/>
-                </a:solidFill>
-                <a:latin typeface="Times New Roman" panose="02020603050405020304" pitchFamily="18" charset="0"/>
-                <a:cs typeface="Times New Roman" panose="02020603050405020304" pitchFamily="18" charset="0"/>
-              </a:rPr>
-              <a:t> </a:t>
-            </a:r>
-            <a:r>
-              <a:rPr lang="ru-RU" dirty="0">
-                <a:solidFill>
-                  <a:schemeClr val="tx1"/>
-                </a:solidFill>
-                <a:effectLst/>
-                <a:latin typeface="Times New Roman" panose="02020603050405020304" pitchFamily="18" charset="0"/>
-                <a:ea typeface="Times New Roman" panose="02020603050405020304" pitchFamily="18" charset="0"/>
-                <a:cs typeface="Times New Roman" panose="02020603050405020304" pitchFamily="18" charset="0"/>
-              </a:rPr>
-              <a:t>Разработка </a:t>
-            </a:r>
-            <a:r>
-              <a:rPr lang="en-US" dirty="0">
-                <a:solidFill>
-                  <a:schemeClr val="tx1"/>
-                </a:solidFill>
-                <a:effectLst/>
-                <a:latin typeface="Times New Roman" panose="02020603050405020304" pitchFamily="18" charset="0"/>
-                <a:ea typeface="Times New Roman" panose="02020603050405020304" pitchFamily="18" charset="0"/>
-                <a:cs typeface="Times New Roman" panose="02020603050405020304" pitchFamily="18" charset="0"/>
-              </a:rPr>
-              <a:t>API </a:t>
-            </a:r>
-            <a:r>
-              <a:rPr lang="ru-RU" dirty="0">
-                <a:solidFill>
-                  <a:schemeClr val="tx1"/>
-                </a:solidFill>
-                <a:effectLst/>
-                <a:latin typeface="Times New Roman" panose="02020603050405020304" pitchFamily="18" charset="0"/>
-                <a:ea typeface="Times New Roman" panose="02020603050405020304" pitchFamily="18" charset="0"/>
-                <a:cs typeface="Times New Roman" panose="02020603050405020304" pitchFamily="18" charset="0"/>
-              </a:rPr>
-              <a:t>информационной системы «Байкальский патруль».</a:t>
-            </a:r>
-            <a:endParaRPr lang="ru-RU" dirty="0">
-              <a:solidFill>
-                <a:schemeClr val="tx1"/>
-              </a:solidFill>
-              <a:effectLst/>
-              <a:latin typeface="Times New Roman" panose="02020603050405020304" pitchFamily="18" charset="0"/>
-              <a:ea typeface="Liberation Sans"/>
-              <a:cs typeface="Times New Roman" panose="02020603050405020304" pitchFamily="18" charset="0"/>
-            </a:endParaRPr>
-          </a:p>
-          <a:p>
-            <a:pPr marL="0" indent="0">
-              <a:lnSpc>
-                <a:spcPct val="160000"/>
-              </a:lnSpc>
-              <a:buNone/>
-            </a:pPr>
-            <a:r>
-              <a:rPr lang="ru-RU" b="1" dirty="0">
-                <a:solidFill>
-                  <a:schemeClr val="tx1"/>
-                </a:solidFill>
-                <a:latin typeface="Times New Roman" panose="02020603050405020304" pitchFamily="18" charset="0"/>
-                <a:cs typeface="Times New Roman" panose="02020603050405020304" pitchFamily="18" charset="0"/>
-              </a:rPr>
-              <a:t>Задачи</a:t>
-            </a:r>
-            <a:r>
-              <a:rPr lang="en-US" b="1" dirty="0">
-                <a:solidFill>
-                  <a:schemeClr val="tx1"/>
-                </a:solidFill>
-                <a:latin typeface="Times New Roman" panose="02020603050405020304" pitchFamily="18" charset="0"/>
-                <a:cs typeface="Times New Roman" panose="02020603050405020304" pitchFamily="18" charset="0"/>
-              </a:rPr>
-              <a:t>:</a:t>
-            </a:r>
-          </a:p>
-          <a:p>
-            <a:pPr marL="0" lvl="0" indent="0">
-              <a:lnSpc>
-                <a:spcPct val="160000"/>
-              </a:lnSpc>
-              <a:buNone/>
-            </a:pPr>
-            <a:r>
-              <a:rPr lang="en-US" dirty="0">
-                <a:solidFill>
-                  <a:schemeClr val="tx1"/>
-                </a:solidFill>
-                <a:latin typeface="Times New Roman" panose="02020603050405020304" pitchFamily="18" charset="0"/>
-                <a:cs typeface="Times New Roman" panose="02020603050405020304" pitchFamily="18" charset="0"/>
-              </a:rPr>
-              <a:t>1. </a:t>
-            </a:r>
-            <a:r>
-              <a:rPr lang="ru-RU" sz="2800" dirty="0">
-                <a:solidFill>
-                  <a:schemeClr val="tx1"/>
-                </a:solidFill>
-                <a:effectLst/>
-                <a:latin typeface="Times New Roman" panose="02020603050405020304" pitchFamily="18" charset="0"/>
-                <a:ea typeface="Times New Roman" panose="02020603050405020304" pitchFamily="18" charset="0"/>
-                <a:cs typeface="Times New Roman" panose="02020603050405020304" pitchFamily="18" charset="0"/>
-              </a:rPr>
-              <a:t>Анализ требований к API </a:t>
-            </a:r>
-            <a:r>
-              <a:rPr lang="ru-RU" dirty="0">
-                <a:solidFill>
-                  <a:schemeClr val="tx1"/>
-                </a:solidFill>
-                <a:effectLst/>
-                <a:latin typeface="Times New Roman" panose="02020603050405020304" pitchFamily="18" charset="0"/>
-                <a:ea typeface="Times New Roman" panose="02020603050405020304" pitchFamily="18" charset="0"/>
-                <a:cs typeface="Times New Roman" panose="02020603050405020304" pitchFamily="18" charset="0"/>
-              </a:rPr>
-              <a:t>информационной системы «Байкальский патруль»</a:t>
-            </a:r>
-            <a:r>
-              <a:rPr lang="en-US" sz="2800" dirty="0">
-                <a:solidFill>
-                  <a:schemeClr val="tx1"/>
-                </a:solidFill>
-                <a:effectLst/>
-                <a:latin typeface="Times New Roman" panose="02020603050405020304" pitchFamily="18" charset="0"/>
-                <a:ea typeface="Times New Roman" panose="02020603050405020304" pitchFamily="18" charset="0"/>
-                <a:cs typeface="Times New Roman" panose="02020603050405020304" pitchFamily="18" charset="0"/>
-              </a:rPr>
-              <a:t>.</a:t>
-            </a:r>
-            <a:endParaRPr lang="ru-RU" sz="2800" dirty="0">
-              <a:solidFill>
-                <a:schemeClr val="tx1"/>
-              </a:solidFill>
-              <a:effectLst/>
-              <a:latin typeface="Times New Roman" panose="02020603050405020304" pitchFamily="18" charset="0"/>
-              <a:ea typeface="Calibri" panose="020F0502020204030204" pitchFamily="34" charset="0"/>
-              <a:cs typeface="Times New Roman" panose="02020603050405020304" pitchFamily="18" charset="0"/>
-            </a:endParaRPr>
-          </a:p>
-          <a:p>
-            <a:pPr marL="0" lvl="0" indent="0">
-              <a:lnSpc>
-                <a:spcPct val="160000"/>
-              </a:lnSpc>
-              <a:buNone/>
-            </a:pPr>
-            <a:r>
-              <a:rPr lang="ru-RU" sz="2800" dirty="0">
-                <a:solidFill>
-                  <a:schemeClr val="tx1"/>
-                </a:solidFill>
-                <a:effectLst/>
-                <a:latin typeface="Times New Roman" panose="02020603050405020304" pitchFamily="18" charset="0"/>
-                <a:ea typeface="Times New Roman" panose="02020603050405020304" pitchFamily="18" charset="0"/>
-                <a:cs typeface="Times New Roman" panose="02020603050405020304" pitchFamily="18" charset="0"/>
-              </a:rPr>
-              <a:t>2. Разработка ER-модели и схемы работы API.</a:t>
-            </a:r>
-            <a:endParaRPr lang="ru-RU" sz="2800" dirty="0">
-              <a:solidFill>
-                <a:schemeClr val="tx1"/>
-              </a:solidFill>
-              <a:effectLst/>
-              <a:latin typeface="Times New Roman" panose="02020603050405020304" pitchFamily="18" charset="0"/>
-              <a:ea typeface="Calibri" panose="020F0502020204030204" pitchFamily="34" charset="0"/>
-              <a:cs typeface="Times New Roman" panose="02020603050405020304" pitchFamily="18" charset="0"/>
-            </a:endParaRPr>
-          </a:p>
-          <a:p>
-            <a:pPr marL="0" lvl="0" indent="0">
-              <a:lnSpc>
-                <a:spcPct val="160000"/>
-              </a:lnSpc>
-              <a:buNone/>
-            </a:pPr>
-            <a:r>
-              <a:rPr lang="ru-RU" sz="2800" dirty="0">
-                <a:solidFill>
-                  <a:schemeClr val="tx1"/>
-                </a:solidFill>
-                <a:effectLst/>
-                <a:latin typeface="Times New Roman" panose="02020603050405020304" pitchFamily="18" charset="0"/>
-                <a:ea typeface="Times New Roman" panose="02020603050405020304" pitchFamily="18" charset="0"/>
-                <a:cs typeface="Times New Roman" panose="02020603050405020304" pitchFamily="18" charset="0"/>
-              </a:rPr>
-              <a:t>3. Разработка модулей и функций, реализация основных действий пользователей API.</a:t>
-            </a:r>
-            <a:endParaRPr lang="ru-RU" sz="2800" dirty="0">
-              <a:solidFill>
-                <a:schemeClr val="tx1"/>
-              </a:solidFill>
-              <a:effectLst/>
-              <a:latin typeface="Times New Roman" panose="02020603050405020304" pitchFamily="18" charset="0"/>
-              <a:ea typeface="Calibri" panose="020F0502020204030204" pitchFamily="34" charset="0"/>
-              <a:cs typeface="Times New Roman" panose="02020603050405020304" pitchFamily="18" charset="0"/>
-            </a:endParaRPr>
-          </a:p>
-          <a:p>
-            <a:endParaRPr lang="ru-RU" dirty="0"/>
-          </a:p>
-        </p:txBody>
-      </p:sp>
-    </p:spTree>
-    <p:extLst>
-      <p:ext uri="{BB962C8B-B14F-4D97-AF65-F5344CB8AC3E}">
-        <p14:creationId xmlns:p14="http://schemas.microsoft.com/office/powerpoint/2010/main" val="2571745785"/>
-      </p:ext>
-    </p:extLst>
-  </p:cSld>
-  <p:clrMapOvr>
-    <a:masterClrMapping/>
-  </p:clrMapOvr>
-</p:sld>
-</file>
-
-<file path=ppt/slides/slide5.xml><?xml version="1.0" encoding="utf-8"?>
-<p:sld xmlns:a="http://schemas.openxmlformats.org/drawingml/2006/main" xmlns:r="http://schemas.openxmlformats.org/officeDocument/2006/relationships" xmlns:p="http://schemas.openxmlformats.org/presentationml/2006/main">
-  <p:cSld>
-    <p:spTree>
-      <p:nvGrpSpPr>
-        <p:cNvPr id="1" name=""/>
-        <p:cNvGrpSpPr/>
-        <p:nvPr/>
-      </p:nvGrpSpPr>
-      <p:grpSpPr>
-        <a:xfrm>
-          <a:off x="0" y="0"/>
-          <a:ext cx="0" cy="0"/>
-          <a:chOff x="0" y="0"/>
-          <a:chExt cx="0" cy="0"/>
-        </a:xfrm>
-      </p:grpSpPr>
-      <p:sp>
-        <p:nvSpPr>
-          <p:cNvPr id="2" name="Заголовок 1">
-            <a:extLst>
-              <a:ext uri="{FF2B5EF4-FFF2-40B4-BE49-F238E27FC236}">
-                <a16:creationId xmlns:a16="http://schemas.microsoft.com/office/drawing/2014/main" id="{E54F0089-3540-69A1-47F3-692060EB9F29}"/>
-              </a:ext>
-            </a:extLst>
-          </p:cNvPr>
-          <p:cNvSpPr>
-            <a:spLocks noGrp="1"/>
-          </p:cNvSpPr>
-          <p:nvPr>
-            <p:ph type="title"/>
-          </p:nvPr>
-        </p:nvSpPr>
-        <p:spPr>
-          <a:xfrm>
-            <a:off x="647282" y="-72695"/>
-            <a:ext cx="10515600" cy="1325563"/>
-          </a:xfrm>
-        </p:spPr>
-        <p:txBody>
-          <a:bodyPr/>
-          <a:lstStyle/>
-          <a:p>
-            <a:r>
-              <a:rPr lang="ru-RU" dirty="0">
-                <a:latin typeface="Times New Roman" panose="02020603050405020304" pitchFamily="18" charset="0"/>
-                <a:cs typeface="Times New Roman" panose="02020603050405020304" pitchFamily="18" charset="0"/>
-              </a:rPr>
-              <a:t>Общая схема работы </a:t>
-            </a:r>
-            <a:r>
-              <a:rPr lang="en-US" dirty="0">
-                <a:latin typeface="Times New Roman" panose="02020603050405020304" pitchFamily="18" charset="0"/>
-                <a:cs typeface="Times New Roman" panose="02020603050405020304" pitchFamily="18" charset="0"/>
-              </a:rPr>
-              <a:t>API</a:t>
-            </a:r>
-            <a:endParaRPr lang="ru-RU" dirty="0">
-              <a:latin typeface="Times New Roman" panose="02020603050405020304" pitchFamily="18" charset="0"/>
-              <a:cs typeface="Times New Roman" panose="02020603050405020304" pitchFamily="18" charset="0"/>
-            </a:endParaRPr>
-          </a:p>
-        </p:txBody>
-      </p:sp>
-      <p:pic>
-        <p:nvPicPr>
-          <p:cNvPr id="5" name="Объект 4" descr="Изображение выглядит как текст, диаграмма, снимок экрана, План&#10;&#10;Автоматически созданное описание">
-            <a:extLst>
-              <a:ext uri="{FF2B5EF4-FFF2-40B4-BE49-F238E27FC236}">
-                <a16:creationId xmlns:a16="http://schemas.microsoft.com/office/drawing/2014/main" id="{D44BC8CF-CC4F-3131-10CD-9D157DBE545C}"/>
-              </a:ext>
-            </a:extLst>
-          </p:cNvPr>
-          <p:cNvPicPr>
-            <a:picLocks noGrp="1" noChangeAspect="1"/>
-          </p:cNvPicPr>
-          <p:nvPr>
-            <p:ph idx="1"/>
-          </p:nvPr>
-        </p:nvPicPr>
-        <p:blipFill>
-          <a:blip r:embed="rId2">
-            <a:extLst>
-              <a:ext uri="{28A0092B-C50C-407E-A947-70E740481C1C}">
-                <a14:useLocalDpi xmlns:a14="http://schemas.microsoft.com/office/drawing/2010/main" val="0"/>
-              </a:ext>
-            </a:extLst>
-          </a:blip>
-          <a:stretch>
-            <a:fillRect/>
-          </a:stretch>
-        </p:blipFill>
-        <p:spPr>
-          <a:xfrm>
-            <a:off x="1504897" y="901178"/>
-            <a:ext cx="9457855" cy="5760880"/>
-          </a:xfrm>
-        </p:spPr>
-      </p:pic>
-    </p:spTree>
-    <p:extLst>
-      <p:ext uri="{BB962C8B-B14F-4D97-AF65-F5344CB8AC3E}">
-        <p14:creationId xmlns:p14="http://schemas.microsoft.com/office/powerpoint/2010/main" val="727912483"/>
-      </p:ext>
-    </p:extLst>
-  </p:cSld>
-  <p:clrMapOvr>
-    <a:masterClrMapping/>
-  </p:clrMapOvr>
-</p:sld>
-</file>
-
-<file path=ppt/slides/slide6.xml><?xml version="1.0" encoding="utf-8"?>
-<p:sld xmlns:a="http://schemas.openxmlformats.org/drawingml/2006/main" xmlns:r="http://schemas.openxmlformats.org/officeDocument/2006/relationships" xmlns:p="http://schemas.openxmlformats.org/presentationml/2006/main">
-  <p:cSld>
-    <p:spTree>
-      <p:nvGrpSpPr>
-        <p:cNvPr id="1" name=""/>
-        <p:cNvGrpSpPr/>
-        <p:nvPr/>
-      </p:nvGrpSpPr>
-      <p:grpSpPr>
-        <a:xfrm>
-          <a:off x="0" y="0"/>
-          <a:ext cx="0" cy="0"/>
-          <a:chOff x="0" y="0"/>
-          <a:chExt cx="0" cy="0"/>
-        </a:xfrm>
-      </p:grpSpPr>
-      <p:sp>
-        <p:nvSpPr>
-          <p:cNvPr id="2" name="Заголовок 1">
-            <a:extLst>
-              <a:ext uri="{FF2B5EF4-FFF2-40B4-BE49-F238E27FC236}">
-                <a16:creationId xmlns:a16="http://schemas.microsoft.com/office/drawing/2014/main" id="{D32BB657-8999-7A93-795C-84226D8548B0}"/>
-              </a:ext>
-            </a:extLst>
-          </p:cNvPr>
-          <p:cNvSpPr>
-            <a:spLocks noGrp="1"/>
-          </p:cNvSpPr>
-          <p:nvPr>
-            <p:ph type="title"/>
-          </p:nvPr>
-        </p:nvSpPr>
-        <p:spPr/>
-        <p:txBody>
-          <a:bodyPr/>
-          <a:lstStyle/>
-          <a:p>
-            <a:r>
-              <a:rPr lang="ru-RU" sz="4400" dirty="0">
-                <a:effectLst/>
-                <a:latin typeface="Times New Roman" panose="02020603050405020304" pitchFamily="18" charset="0"/>
-                <a:ea typeface="Times New Roman" panose="02020603050405020304" pitchFamily="18" charset="0"/>
-                <a:cs typeface="Times New Roman" panose="02020603050405020304" pitchFamily="18" charset="0"/>
-              </a:rPr>
-              <a:t>ER-модель</a:t>
-            </a:r>
-            <a:br>
-              <a:rPr lang="ru-RU" sz="4400" dirty="0">
-                <a:latin typeface="Times New Roman" panose="02020603050405020304" pitchFamily="18" charset="0"/>
-                <a:cs typeface="Times New Roman" panose="02020603050405020304" pitchFamily="18" charset="0"/>
-              </a:rPr>
-            </a:br>
-            <a:endParaRPr lang="ru-RU" dirty="0">
-              <a:latin typeface="Times New Roman" panose="02020603050405020304" pitchFamily="18" charset="0"/>
-              <a:cs typeface="Times New Roman" panose="02020603050405020304" pitchFamily="18" charset="0"/>
-            </a:endParaRPr>
-          </a:p>
-        </p:txBody>
-      </p:sp>
-      <p:pic>
-        <p:nvPicPr>
-          <p:cNvPr id="16" name="Объект 15" descr="Изображение выглядит как диаграмма, линия, оригами, шаблон&#10;&#10;Автоматически созданное описание">
-            <a:extLst>
-              <a:ext uri="{FF2B5EF4-FFF2-40B4-BE49-F238E27FC236}">
-                <a16:creationId xmlns:a16="http://schemas.microsoft.com/office/drawing/2014/main" id="{C1995CC1-4D21-32B1-ABAA-1F422F12F263}"/>
-              </a:ext>
-            </a:extLst>
-          </p:cNvPr>
-          <p:cNvPicPr>
-            <a:picLocks noGrp="1" noChangeAspect="1"/>
-          </p:cNvPicPr>
-          <p:nvPr>
-            <p:ph idx="1"/>
-          </p:nvPr>
-        </p:nvPicPr>
-        <p:blipFill>
-          <a:blip r:embed="rId2">
-            <a:extLst>
-              <a:ext uri="{28A0092B-C50C-407E-A947-70E740481C1C}">
-                <a14:useLocalDpi xmlns:a14="http://schemas.microsoft.com/office/drawing/2010/main" val="0"/>
-              </a:ext>
-            </a:extLst>
-          </a:blip>
-          <a:stretch>
-            <a:fillRect/>
-          </a:stretch>
-        </p:blipFill>
-        <p:spPr>
-          <a:xfrm>
-            <a:off x="2286902" y="1311390"/>
-            <a:ext cx="8070918" cy="4958701"/>
-          </a:xfrm>
-        </p:spPr>
-      </p:pic>
-    </p:spTree>
-    <p:extLst>
-      <p:ext uri="{BB962C8B-B14F-4D97-AF65-F5344CB8AC3E}">
-        <p14:creationId xmlns:p14="http://schemas.microsoft.com/office/powerpoint/2010/main" val="1385537460"/>
-      </p:ext>
-    </p:extLst>
-  </p:cSld>
-  <p:clrMapOvr>
-    <a:masterClrMapping/>
-  </p:clrMapOvr>
-</p:sld>
-</file>
-
-<file path=ppt/slides/slide7.xml><?xml version="1.0" encoding="utf-8"?>
-<p:sld xmlns:a="http://schemas.openxmlformats.org/drawingml/2006/main" xmlns:r="http://schemas.openxmlformats.org/officeDocument/2006/relationships" xmlns:p="http://schemas.openxmlformats.org/presentationml/2006/main">
-  <p:cSld>
-    <p:spTree>
-      <p:nvGrpSpPr>
-        <p:cNvPr id="1" name=""/>
-        <p:cNvGrpSpPr/>
-        <p:nvPr/>
-      </p:nvGrpSpPr>
-      <p:grpSpPr>
-        <a:xfrm>
-          <a:off x="0" y="0"/>
-          <a:ext cx="0" cy="0"/>
-          <a:chOff x="0" y="0"/>
-          <a:chExt cx="0" cy="0"/>
-        </a:xfrm>
-      </p:grpSpPr>
-      <p:sp>
-        <p:nvSpPr>
-          <p:cNvPr id="2" name="Заголовок 1">
-            <a:extLst>
-              <a:ext uri="{FF2B5EF4-FFF2-40B4-BE49-F238E27FC236}">
                 <a16:creationId xmlns:a16="http://schemas.microsoft.com/office/drawing/2014/main" id="{F9EC30FF-D07A-0054-61A6-784BAFBDC4DE}"/>
               </a:ext>
             </a:extLst>
@@ -4949,99 +3857,6 @@
     <p:extLst>
       <p:ext uri="{BB962C8B-B14F-4D97-AF65-F5344CB8AC3E}">
         <p14:creationId xmlns:p14="http://schemas.microsoft.com/office/powerpoint/2010/main" val="3536111370"/>
-      </p:ext>
-    </p:extLst>
-  </p:cSld>
-  <p:clrMapOvr>
-    <a:masterClrMapping/>
-  </p:clrMapOvr>
-</p:sld>
-</file>
-
-<file path=ppt/slides/slide8.xml><?xml version="1.0" encoding="utf-8"?>
-<p:sld xmlns:a="http://schemas.openxmlformats.org/drawingml/2006/main" xmlns:r="http://schemas.openxmlformats.org/officeDocument/2006/relationships" xmlns:p="http://schemas.openxmlformats.org/presentationml/2006/main">
-  <p:cSld>
-    <p:spTree>
-      <p:nvGrpSpPr>
-        <p:cNvPr id="1" name=""/>
-        <p:cNvGrpSpPr/>
-        <p:nvPr/>
-      </p:nvGrpSpPr>
-      <p:grpSpPr>
-        <a:xfrm>
-          <a:off x="0" y="0"/>
-          <a:ext cx="0" cy="0"/>
-          <a:chOff x="0" y="0"/>
-          <a:chExt cx="0" cy="0"/>
-        </a:xfrm>
-      </p:grpSpPr>
-      <p:sp>
-        <p:nvSpPr>
-          <p:cNvPr id="2" name="Заголовок 1">
-            <a:extLst>
-              <a:ext uri="{FF2B5EF4-FFF2-40B4-BE49-F238E27FC236}">
-                <a16:creationId xmlns:a16="http://schemas.microsoft.com/office/drawing/2014/main" id="{29129901-C20C-BE93-D55F-5856EFD5AFCA}"/>
-              </a:ext>
-            </a:extLst>
-          </p:cNvPr>
-          <p:cNvSpPr>
-            <a:spLocks noGrp="1"/>
-          </p:cNvSpPr>
-          <p:nvPr>
-            <p:ph type="title"/>
-          </p:nvPr>
-        </p:nvSpPr>
-        <p:spPr>
-          <a:xfrm>
-            <a:off x="2949102" y="2103437"/>
-            <a:ext cx="10515600" cy="1325563"/>
-          </a:xfrm>
-        </p:spPr>
-        <p:txBody>
-          <a:bodyPr/>
-          <a:lstStyle/>
-          <a:p>
-            <a:r>
-              <a:rPr lang="ru-RU" dirty="0"/>
-              <a:t>Спасибо за внимание!</a:t>
-            </a:r>
-          </a:p>
-        </p:txBody>
-      </p:sp>
-      <p:sp>
-        <p:nvSpPr>
-          <p:cNvPr id="3" name="Объект 2">
-            <a:extLst>
-              <a:ext uri="{FF2B5EF4-FFF2-40B4-BE49-F238E27FC236}">
-                <a16:creationId xmlns:a16="http://schemas.microsoft.com/office/drawing/2014/main" id="{3D139141-FD6B-E6A5-74F0-323F7FF983A3}"/>
-              </a:ext>
-            </a:extLst>
-          </p:cNvPr>
-          <p:cNvSpPr>
-            <a:spLocks noGrp="1"/>
-          </p:cNvSpPr>
-          <p:nvPr>
-            <p:ph idx="1"/>
-          </p:nvPr>
-        </p:nvSpPr>
-        <p:spPr>
-          <a:xfrm>
-            <a:off x="721468" y="3568126"/>
-            <a:ext cx="10515600" cy="4351338"/>
-          </a:xfrm>
-        </p:spPr>
-        <p:txBody>
-          <a:bodyPr/>
-          <a:lstStyle/>
-          <a:p>
-            <a:endParaRPr lang="ru-RU" dirty="0"/>
-          </a:p>
-        </p:txBody>
-      </p:sp>
-    </p:spTree>
-    <p:extLst>
-      <p:ext uri="{BB962C8B-B14F-4D97-AF65-F5344CB8AC3E}">
-        <p14:creationId xmlns:p14="http://schemas.microsoft.com/office/powerpoint/2010/main" val="3124659146"/>
       </p:ext>
     </p:extLst>
   </p:cSld>
